--- a/01-benchmark-dotnet/intro.pptx
+++ b/01-benchmark-dotnet/intro.pptx
@@ -8950,7 +8950,7 @@
           <a:p>
             <a:fld id="{6DC1D2EA-4059-4DC5-AD48-8F08A7F9F094}" type="datetimeFigureOut">
               <a:rPr lang="it-IT" smtClean="0"/>
-              <a:t>15/10/2019</a:t>
+              <a:t>17/10/2019</a:t>
             </a:fld>
             <a:endParaRPr lang="it-IT"/>
           </a:p>
@@ -9157,7 +9157,7 @@
           <a:p>
             <a:fld id="{6DC1D2EA-4059-4DC5-AD48-8F08A7F9F094}" type="datetimeFigureOut">
               <a:rPr lang="it-IT" smtClean="0"/>
-              <a:t>15/10/2019</a:t>
+              <a:t>17/10/2019</a:t>
             </a:fld>
             <a:endParaRPr lang="it-IT"/>
           </a:p>
@@ -9337,7 +9337,7 @@
           <a:p>
             <a:fld id="{6DC1D2EA-4059-4DC5-AD48-8F08A7F9F094}" type="datetimeFigureOut">
               <a:rPr lang="it-IT" smtClean="0"/>
-              <a:t>15/10/2019</a:t>
+              <a:t>17/10/2019</a:t>
             </a:fld>
             <a:endParaRPr lang="it-IT"/>
           </a:p>
@@ -9542,7 +9542,7 @@
           <a:p>
             <a:fld id="{6DC1D2EA-4059-4DC5-AD48-8F08A7F9F094}" type="datetimeFigureOut">
               <a:rPr lang="it-IT" smtClean="0"/>
-              <a:t>15/10/2019</a:t>
+              <a:t>17/10/2019</a:t>
             </a:fld>
             <a:endParaRPr lang="it-IT"/>
           </a:p>
@@ -18440,7 +18440,7 @@
           <a:p>
             <a:fld id="{6DC1D2EA-4059-4DC5-AD48-8F08A7F9F094}" type="datetimeFigureOut">
               <a:rPr lang="it-IT" smtClean="0"/>
-              <a:t>15/10/2019</a:t>
+              <a:t>17/10/2019</a:t>
             </a:fld>
             <a:endParaRPr lang="it-IT"/>
           </a:p>
@@ -18714,7 +18714,7 @@
           <a:p>
             <a:fld id="{6DC1D2EA-4059-4DC5-AD48-8F08A7F9F094}" type="datetimeFigureOut">
               <a:rPr lang="it-IT" smtClean="0"/>
-              <a:t>15/10/2019</a:t>
+              <a:t>17/10/2019</a:t>
             </a:fld>
             <a:endParaRPr lang="it-IT"/>
           </a:p>
@@ -19112,7 +19112,7 @@
           <a:p>
             <a:fld id="{6DC1D2EA-4059-4DC5-AD48-8F08A7F9F094}" type="datetimeFigureOut">
               <a:rPr lang="it-IT" smtClean="0"/>
-              <a:t>15/10/2019</a:t>
+              <a:t>17/10/2019</a:t>
             </a:fld>
             <a:endParaRPr lang="it-IT"/>
           </a:p>
@@ -19230,7 +19230,7 @@
           <a:p>
             <a:fld id="{6DC1D2EA-4059-4DC5-AD48-8F08A7F9F094}" type="datetimeFigureOut">
               <a:rPr lang="it-IT" smtClean="0"/>
-              <a:t>15/10/2019</a:t>
+              <a:t>17/10/2019</a:t>
             </a:fld>
             <a:endParaRPr lang="it-IT"/>
           </a:p>
@@ -19325,7 +19325,7 @@
           <a:p>
             <a:fld id="{6DC1D2EA-4059-4DC5-AD48-8F08A7F9F094}" type="datetimeFigureOut">
               <a:rPr lang="it-IT" smtClean="0"/>
-              <a:t>15/10/2019</a:t>
+              <a:t>17/10/2019</a:t>
             </a:fld>
             <a:endParaRPr lang="it-IT"/>
           </a:p>
@@ -19615,7 +19615,7 @@
           <a:p>
             <a:fld id="{6DC1D2EA-4059-4DC5-AD48-8F08A7F9F094}" type="datetimeFigureOut">
               <a:rPr lang="it-IT" smtClean="0"/>
-              <a:t>15/10/2019</a:t>
+              <a:t>17/10/2019</a:t>
             </a:fld>
             <a:endParaRPr lang="it-IT"/>
           </a:p>
@@ -19895,7 +19895,7 @@
           <a:p>
             <a:fld id="{6DC1D2EA-4059-4DC5-AD48-8F08A7F9F094}" type="datetimeFigureOut">
               <a:rPr lang="it-IT" smtClean="0"/>
-              <a:t>15/10/2019</a:t>
+              <a:t>17/10/2019</a:t>
             </a:fld>
             <a:endParaRPr lang="it-IT"/>
           </a:p>
@@ -20145,7 +20145,7 @@
           <a:p>
             <a:fld id="{6DC1D2EA-4059-4DC5-AD48-8F08A7F9F094}" type="datetimeFigureOut">
               <a:rPr lang="it-IT" smtClean="0"/>
-              <a:t>15/10/2019</a:t>
+              <a:t>17/10/2019</a:t>
             </a:fld>
             <a:endParaRPr lang="it-IT"/>
           </a:p>
@@ -23098,7 +23098,7 @@
         </p:nvSpPr>
         <p:spPr>
           <a:xfrm>
-            <a:off x="5100010" y="4359276"/>
+            <a:off x="42203" y="5198879"/>
             <a:ext cx="4403188" cy="646331"/>
           </a:xfrm>
           <a:prstGeom prst="rect">
@@ -23120,6 +23120,193 @@
           </a:p>
         </p:txBody>
       </p:sp>
+      <p:sp>
+        <p:nvSpPr>
+          <p:cNvPr id="3" name="Rettangolo 2">
+            <a:extLst>
+              <a:ext uri="{FF2B5EF4-FFF2-40B4-BE49-F238E27FC236}">
+                <a16:creationId xmlns:a16="http://schemas.microsoft.com/office/drawing/2014/main" id="{EEAA9379-88F7-470D-987B-BE81D79946D8}"/>
+              </a:ext>
+            </a:extLst>
+          </p:cNvPr>
+          <p:cNvSpPr/>
+          <p:nvPr/>
+        </p:nvSpPr>
+        <p:spPr>
+          <a:xfrm>
+            <a:off x="61623" y="28072"/>
+            <a:ext cx="7534773" cy="369332"/>
+          </a:xfrm>
+          <a:prstGeom prst="rect">
+            <a:avLst/>
+          </a:prstGeom>
+        </p:spPr>
+        <p:txBody>
+          <a:bodyPr wrap="square">
+            <a:spAutoFit/>
+          </a:bodyPr>
+          <a:lstStyle/>
+          <a:p>
+            <a:r>
+              <a:rPr lang="it-IT" dirty="0">
+                <a:hlinkClick r:id="rId3"/>
+              </a:rPr>
+              <a:t>https://people.eecs.berkeley.edu/~rcs/research/interactive_latency.html</a:t>
+            </a:r>
+            <a:endParaRPr lang="it-IT" dirty="0"/>
+          </a:p>
+        </p:txBody>
+      </p:sp>
+      <p:pic>
+        <p:nvPicPr>
+          <p:cNvPr id="6" name="Immagine 5">
+            <a:extLst>
+              <a:ext uri="{FF2B5EF4-FFF2-40B4-BE49-F238E27FC236}">
+                <a16:creationId xmlns:a16="http://schemas.microsoft.com/office/drawing/2014/main" id="{F34FFDAE-DEC0-4EB5-8157-D40D63584644}"/>
+              </a:ext>
+            </a:extLst>
+          </p:cNvPr>
+          <p:cNvPicPr>
+            <a:picLocks noChangeAspect="1"/>
+          </p:cNvPicPr>
+          <p:nvPr/>
+        </p:nvPicPr>
+        <p:blipFill>
+          <a:blip r:embed="rId4"/>
+          <a:stretch>
+            <a:fillRect/>
+          </a:stretch>
+        </p:blipFill>
+        <p:spPr>
+          <a:xfrm>
+            <a:off x="4650102" y="360128"/>
+            <a:ext cx="3115110" cy="4039164"/>
+          </a:xfrm>
+          <a:prstGeom prst="rect">
+            <a:avLst/>
+          </a:prstGeom>
+        </p:spPr>
+      </p:pic>
+      <p:pic>
+        <p:nvPicPr>
+          <p:cNvPr id="7" name="Immagine 6">
+            <a:extLst>
+              <a:ext uri="{FF2B5EF4-FFF2-40B4-BE49-F238E27FC236}">
+                <a16:creationId xmlns:a16="http://schemas.microsoft.com/office/drawing/2014/main" id="{B63D369B-04B6-43CC-B9B6-6E573475CCE8}"/>
+              </a:ext>
+            </a:extLst>
+          </p:cNvPr>
+          <p:cNvPicPr>
+            <a:picLocks noChangeAspect="1"/>
+          </p:cNvPicPr>
+          <p:nvPr/>
+        </p:nvPicPr>
+        <p:blipFill>
+          <a:blip r:embed="rId5"/>
+          <a:stretch>
+            <a:fillRect/>
+          </a:stretch>
+        </p:blipFill>
+        <p:spPr>
+          <a:xfrm>
+            <a:off x="4722888" y="4315363"/>
+            <a:ext cx="3000794" cy="981212"/>
+          </a:xfrm>
+          <a:prstGeom prst="rect">
+            <a:avLst/>
+          </a:prstGeom>
+        </p:spPr>
+      </p:pic>
+      <p:pic>
+        <p:nvPicPr>
+          <p:cNvPr id="8" name="Immagine 7">
+            <a:extLst>
+              <a:ext uri="{FF2B5EF4-FFF2-40B4-BE49-F238E27FC236}">
+                <a16:creationId xmlns:a16="http://schemas.microsoft.com/office/drawing/2014/main" id="{6F8B0255-8DDC-49FF-B5AE-5BAF7824A2B6}"/>
+              </a:ext>
+            </a:extLst>
+          </p:cNvPr>
+          <p:cNvPicPr>
+            <a:picLocks noChangeAspect="1"/>
+          </p:cNvPicPr>
+          <p:nvPr/>
+        </p:nvPicPr>
+        <p:blipFill>
+          <a:blip r:embed="rId6"/>
+          <a:stretch>
+            <a:fillRect/>
+          </a:stretch>
+        </p:blipFill>
+        <p:spPr>
+          <a:xfrm>
+            <a:off x="8014655" y="239592"/>
+            <a:ext cx="3038899" cy="3658111"/>
+          </a:xfrm>
+          <a:prstGeom prst="rect">
+            <a:avLst/>
+          </a:prstGeom>
+        </p:spPr>
+      </p:pic>
+      <p:pic>
+        <p:nvPicPr>
+          <p:cNvPr id="9" name="Immagine 8">
+            <a:extLst>
+              <a:ext uri="{FF2B5EF4-FFF2-40B4-BE49-F238E27FC236}">
+                <a16:creationId xmlns:a16="http://schemas.microsoft.com/office/drawing/2014/main" id="{1DA751FA-E7A0-4130-B69D-7D606978FA8D}"/>
+              </a:ext>
+            </a:extLst>
+          </p:cNvPr>
+          <p:cNvPicPr>
+            <a:picLocks noChangeAspect="1"/>
+          </p:cNvPicPr>
+          <p:nvPr/>
+        </p:nvPicPr>
+        <p:blipFill>
+          <a:blip r:embed="rId7"/>
+          <a:stretch>
+            <a:fillRect/>
+          </a:stretch>
+        </p:blipFill>
+        <p:spPr>
+          <a:xfrm>
+            <a:off x="4666616" y="5328851"/>
+            <a:ext cx="2962688" cy="1219370"/>
+          </a:xfrm>
+          <a:prstGeom prst="rect">
+            <a:avLst/>
+          </a:prstGeom>
+        </p:spPr>
+      </p:pic>
+      <p:pic>
+        <p:nvPicPr>
+          <p:cNvPr id="10" name="Immagine 9">
+            <a:extLst>
+              <a:ext uri="{FF2B5EF4-FFF2-40B4-BE49-F238E27FC236}">
+                <a16:creationId xmlns:a16="http://schemas.microsoft.com/office/drawing/2014/main" id="{2D2A61E9-6776-4810-AE63-C819E9D5C8A5}"/>
+              </a:ext>
+            </a:extLst>
+          </p:cNvPr>
+          <p:cNvPicPr>
+            <a:picLocks noChangeAspect="1"/>
+          </p:cNvPicPr>
+          <p:nvPr/>
+        </p:nvPicPr>
+        <p:blipFill>
+          <a:blip r:embed="rId8"/>
+          <a:stretch>
+            <a:fillRect/>
+          </a:stretch>
+        </p:blipFill>
+        <p:spPr>
+          <a:xfrm>
+            <a:off x="8065061" y="3771106"/>
+            <a:ext cx="3086531" cy="3219899"/>
+          </a:xfrm>
+          <a:prstGeom prst="rect">
+            <a:avLst/>
+          </a:prstGeom>
+        </p:spPr>
+      </p:pic>
     </p:spTree>
     <p:extLst>
       <p:ext uri="{BB962C8B-B14F-4D97-AF65-F5344CB8AC3E}">
